--- a/Лабораторна №1.pptx
+++ b/Лабораторна №1.pptx
@@ -1,17 +1,17 @@
 
 <file path=ppt/presentation.xml><?xml version="1.0" encoding="utf-8"?>
-<p:presentation xmlns:a="http://schemas.openxmlformats.org/drawingml/2006/main" xmlns:r="http://schemas.openxmlformats.org/officeDocument/2006/relationships" xmlns:p="http://schemas.openxmlformats.org/presentationml/2006/main" saveSubsetFonts="1">
+<p:presentation xmlns:a="http://schemas.openxmlformats.org/drawingml/2006/main" xmlns:r="http://schemas.openxmlformats.org/officeDocument/2006/relationships" xmlns:p="http://schemas.openxmlformats.org/presentationml/2006/main">
   <p:sldMasterIdLst>
-    <p:sldMasterId id="2147483870" r:id="rId1"/>
+    <p:sldMasterId id="2147483648" r:id="rId1"/>
   </p:sldMasterIdLst>
   <p:sldIdLst>
-    <p:sldId id="256" r:id="rId2"/>
-    <p:sldId id="258" r:id="rId3"/>
-    <p:sldId id="259" r:id="rId4"/>
-    <p:sldId id="260" r:id="rId5"/>
-    <p:sldId id="261" r:id="rId6"/>
-    <p:sldId id="257" r:id="rId7"/>
-    <p:sldId id="262" r:id="rId8"/>
+    <p:sldId id="256" r:id="rId3"/>
+    <p:sldId id="258" r:id="rId4"/>
+    <p:sldId id="259" r:id="rId5"/>
+    <p:sldId id="260" r:id="rId6"/>
+    <p:sldId id="261" r:id="rId7"/>
+    <p:sldId id="257" r:id="rId8"/>
+    <p:sldId id="262" r:id="rId9"/>
   </p:sldIdLst>
   <p:sldSz cx="12192000" cy="6858000"/>
   <p:notesSz cx="6858000" cy="9144000"/>
@@ -114,7 +114,7 @@
 </file>
 
 <file path=ppt/slideLayouts/slideLayout1.xml><?xml version="1.0" encoding="utf-8"?>
-<p:sldLayout xmlns:a="http://schemas.openxmlformats.org/drawingml/2006/main" xmlns:r="http://schemas.openxmlformats.org/officeDocument/2006/relationships" xmlns:p="http://schemas.openxmlformats.org/presentationml/2006/main" showMasterSp="0" type="title" preserve="1">
+<p:sldLayout xmlns:a="http://schemas.openxmlformats.org/drawingml/2006/main" xmlns:r="http://schemas.openxmlformats.org/officeDocument/2006/relationships" xmlns:p="http://schemas.openxmlformats.org/presentationml/2006/main" type="title" preserve="1" showMasterSp="0">
   <p:cSld name="Титульный слайд">
     <p:bg>
       <p:bgPr>
@@ -281,7 +281,6 @@
           <a:p>
             <a:fld id="{DF2257C6-832E-49DE-8182-410557BD8A00}" type="datetimeFigureOut">
               <a:rPr lang="ru-RU" smtClean="0"/>
-              <a:t>02.03.2021</a:t>
             </a:fld>
             <a:endParaRPr lang="ru-RU"/>
           </a:p>
@@ -343,7 +342,6 @@
           <a:p>
             <a:fld id="{BB63D60C-1BCA-4094-90FF-822DD2833993}" type="slidenum">
               <a:rPr lang="ru-RU" smtClean="0"/>
-              <a:t>‹#›</a:t>
             </a:fld>
             <a:endParaRPr lang="ru-RU"/>
           </a:p>
@@ -388,11 +386,6 @@
         </p:style>
       </p:sp>
     </p:spTree>
-    <p:extLst>
-      <p:ext uri="{BB962C8B-B14F-4D97-AF65-F5344CB8AC3E}">
-        <p14:creationId xmlns:p14="http://schemas.microsoft.com/office/powerpoint/2010/main" val="2329706640"/>
-      </p:ext>
-    </p:extLst>
   </p:cSld>
   <p:clrMapOvr>
     <a:overrideClrMapping bg1="dk1" tx1="lt1" bg2="dk2" tx2="lt2" accent1="accent1" accent2="accent2" accent3="accent3" accent4="accent4" accent5="accent5" accent6="accent6" hlink="hlink" folHlink="folHlink"/>
@@ -460,6 +453,7 @@
               <a:rPr lang="ru-RU" smtClean="0"/>
               <a:t>Образец текста</a:t>
             </a:r>
+            <a:endParaRPr lang="ru-RU" smtClean="0"/>
           </a:p>
           <a:p>
             <a:pPr lvl="1"/>
@@ -467,6 +461,7 @@
               <a:rPr lang="ru-RU" smtClean="0"/>
               <a:t>Второй уровень</a:t>
             </a:r>
+            <a:endParaRPr lang="ru-RU" smtClean="0"/>
           </a:p>
           <a:p>
             <a:pPr lvl="2"/>
@@ -474,6 +469,7 @@
               <a:rPr lang="ru-RU" smtClean="0"/>
               <a:t>Третий уровень</a:t>
             </a:r>
+            <a:endParaRPr lang="ru-RU" smtClean="0"/>
           </a:p>
           <a:p>
             <a:pPr lvl="3"/>
@@ -481,6 +477,7 @@
               <a:rPr lang="ru-RU" smtClean="0"/>
               <a:t>Четвертый уровень</a:t>
             </a:r>
+            <a:endParaRPr lang="ru-RU" smtClean="0"/>
           </a:p>
           <a:p>
             <a:pPr lvl="4"/>
@@ -509,7 +506,6 @@
           <a:p>
             <a:fld id="{DF2257C6-832E-49DE-8182-410557BD8A00}" type="datetimeFigureOut">
               <a:rPr lang="ru-RU" smtClean="0"/>
-              <a:t>02.03.2021</a:t>
             </a:fld>
             <a:endParaRPr lang="ru-RU"/>
           </a:p>
@@ -551,18 +547,12 @@
           <a:p>
             <a:fld id="{BB63D60C-1BCA-4094-90FF-822DD2833993}" type="slidenum">
               <a:rPr lang="ru-RU" smtClean="0"/>
-              <a:t>‹#›</a:t>
             </a:fld>
             <a:endParaRPr lang="ru-RU"/>
           </a:p>
         </p:txBody>
       </p:sp>
     </p:spTree>
-    <p:extLst>
-      <p:ext uri="{BB962C8B-B14F-4D97-AF65-F5344CB8AC3E}">
-        <p14:creationId xmlns:p14="http://schemas.microsoft.com/office/powerpoint/2010/main" val="2805963108"/>
-      </p:ext>
-    </p:extLst>
   </p:cSld>
   <p:clrMapOvr>
     <a:masterClrMapping/>
@@ -640,6 +630,7 @@
               <a:rPr lang="ru-RU" smtClean="0"/>
               <a:t>Образец текста</a:t>
             </a:r>
+            <a:endParaRPr lang="ru-RU" smtClean="0"/>
           </a:p>
           <a:p>
             <a:pPr lvl="1"/>
@@ -647,6 +638,7 @@
               <a:rPr lang="ru-RU" smtClean="0"/>
               <a:t>Второй уровень</a:t>
             </a:r>
+            <a:endParaRPr lang="ru-RU" smtClean="0"/>
           </a:p>
           <a:p>
             <a:pPr lvl="2"/>
@@ -654,6 +646,7 @@
               <a:rPr lang="ru-RU" smtClean="0"/>
               <a:t>Третий уровень</a:t>
             </a:r>
+            <a:endParaRPr lang="ru-RU" smtClean="0"/>
           </a:p>
           <a:p>
             <a:pPr lvl="3"/>
@@ -661,6 +654,7 @@
               <a:rPr lang="ru-RU" smtClean="0"/>
               <a:t>Четвертый уровень</a:t>
             </a:r>
+            <a:endParaRPr lang="ru-RU" smtClean="0"/>
           </a:p>
           <a:p>
             <a:pPr lvl="4"/>
@@ -689,7 +683,6 @@
           <a:p>
             <a:fld id="{DF2257C6-832E-49DE-8182-410557BD8A00}" type="datetimeFigureOut">
               <a:rPr lang="ru-RU" smtClean="0"/>
-              <a:t>02.03.2021</a:t>
             </a:fld>
             <a:endParaRPr lang="ru-RU"/>
           </a:p>
@@ -731,18 +724,12 @@
           <a:p>
             <a:fld id="{BB63D60C-1BCA-4094-90FF-822DD2833993}" type="slidenum">
               <a:rPr lang="ru-RU" smtClean="0"/>
-              <a:t>‹#›</a:t>
             </a:fld>
             <a:endParaRPr lang="ru-RU"/>
           </a:p>
         </p:txBody>
       </p:sp>
     </p:spTree>
-    <p:extLst>
-      <p:ext uri="{BB962C8B-B14F-4D97-AF65-F5344CB8AC3E}">
-        <p14:creationId xmlns:p14="http://schemas.microsoft.com/office/powerpoint/2010/main" val="3580372770"/>
-      </p:ext>
-    </p:extLst>
   </p:cSld>
   <p:clrMapOvr>
     <a:masterClrMapping/>
@@ -810,6 +797,7 @@
               <a:rPr lang="ru-RU" smtClean="0"/>
               <a:t>Образец текста</a:t>
             </a:r>
+            <a:endParaRPr lang="ru-RU" smtClean="0"/>
           </a:p>
           <a:p>
             <a:pPr lvl="1"/>
@@ -817,6 +805,7 @@
               <a:rPr lang="ru-RU" smtClean="0"/>
               <a:t>Второй уровень</a:t>
             </a:r>
+            <a:endParaRPr lang="ru-RU" smtClean="0"/>
           </a:p>
           <a:p>
             <a:pPr lvl="2"/>
@@ -824,6 +813,7 @@
               <a:rPr lang="ru-RU" smtClean="0"/>
               <a:t>Третий уровень</a:t>
             </a:r>
+            <a:endParaRPr lang="ru-RU" smtClean="0"/>
           </a:p>
           <a:p>
             <a:pPr lvl="3"/>
@@ -831,6 +821,7 @@
               <a:rPr lang="ru-RU" smtClean="0"/>
               <a:t>Четвертый уровень</a:t>
             </a:r>
+            <a:endParaRPr lang="ru-RU" smtClean="0"/>
           </a:p>
           <a:p>
             <a:pPr lvl="4"/>
@@ -859,7 +850,6 @@
           <a:p>
             <a:fld id="{DF2257C6-832E-49DE-8182-410557BD8A00}" type="datetimeFigureOut">
               <a:rPr lang="ru-RU" smtClean="0"/>
-              <a:t>02.03.2021</a:t>
             </a:fld>
             <a:endParaRPr lang="ru-RU"/>
           </a:p>
@@ -901,18 +891,12 @@
           <a:p>
             <a:fld id="{BB63D60C-1BCA-4094-90FF-822DD2833993}" type="slidenum">
               <a:rPr lang="ru-RU" smtClean="0"/>
-              <a:t>‹#›</a:t>
             </a:fld>
             <a:endParaRPr lang="ru-RU"/>
           </a:p>
         </p:txBody>
       </p:sp>
     </p:spTree>
-    <p:extLst>
-      <p:ext uri="{BB962C8B-B14F-4D97-AF65-F5344CB8AC3E}">
-        <p14:creationId xmlns:p14="http://schemas.microsoft.com/office/powerpoint/2010/main" val="3297380076"/>
-      </p:ext>
-    </p:extLst>
   </p:cSld>
   <p:clrMapOvr>
     <a:masterClrMapping/>
@@ -1093,6 +1077,7 @@
               <a:rPr lang="ru-RU" smtClean="0"/>
               <a:t>Образец текста</a:t>
             </a:r>
+            <a:endParaRPr lang="ru-RU" smtClean="0"/>
           </a:p>
         </p:txBody>
       </p:sp>
@@ -1113,7 +1098,6 @@
           <a:p>
             <a:fld id="{DF2257C6-832E-49DE-8182-410557BD8A00}" type="datetimeFigureOut">
               <a:rPr lang="ru-RU" smtClean="0"/>
-              <a:t>02.03.2021</a:t>
             </a:fld>
             <a:endParaRPr lang="ru-RU"/>
           </a:p>
@@ -1155,7 +1139,6 @@
           <a:p>
             <a:fld id="{BB63D60C-1BCA-4094-90FF-822DD2833993}" type="slidenum">
               <a:rPr lang="ru-RU" smtClean="0"/>
-              <a:t>‹#›</a:t>
             </a:fld>
             <a:endParaRPr lang="ru-RU"/>
           </a:p>
@@ -1200,11 +1183,6 @@
         </p:style>
       </p:sp>
     </p:spTree>
-    <p:extLst>
-      <p:ext uri="{BB962C8B-B14F-4D97-AF65-F5344CB8AC3E}">
-        <p14:creationId xmlns:p14="http://schemas.microsoft.com/office/powerpoint/2010/main" val="1426278038"/>
-      </p:ext>
-    </p:extLst>
   </p:cSld>
   <p:clrMapOvr>
     <a:masterClrMapping/>
@@ -1305,6 +1283,7 @@
               <a:rPr lang="ru-RU" smtClean="0"/>
               <a:t>Образец текста</a:t>
             </a:r>
+            <a:endParaRPr lang="ru-RU" smtClean="0"/>
           </a:p>
           <a:p>
             <a:pPr lvl="1"/>
@@ -1312,6 +1291,7 @@
               <a:rPr lang="ru-RU" smtClean="0"/>
               <a:t>Второй уровень</a:t>
             </a:r>
+            <a:endParaRPr lang="ru-RU" smtClean="0"/>
           </a:p>
           <a:p>
             <a:pPr lvl="2"/>
@@ -1319,6 +1299,7 @@
               <a:rPr lang="ru-RU" smtClean="0"/>
               <a:t>Третий уровень</a:t>
             </a:r>
+            <a:endParaRPr lang="ru-RU" smtClean="0"/>
           </a:p>
           <a:p>
             <a:pPr lvl="3"/>
@@ -1326,6 +1307,7 @@
               <a:rPr lang="ru-RU" smtClean="0"/>
               <a:t>Четвертый уровень</a:t>
             </a:r>
+            <a:endParaRPr lang="ru-RU" smtClean="0"/>
           </a:p>
           <a:p>
             <a:pPr lvl="4"/>
@@ -1390,6 +1372,7 @@
               <a:rPr lang="ru-RU" smtClean="0"/>
               <a:t>Образец текста</a:t>
             </a:r>
+            <a:endParaRPr lang="ru-RU" smtClean="0"/>
           </a:p>
           <a:p>
             <a:pPr lvl="1"/>
@@ -1397,6 +1380,7 @@
               <a:rPr lang="ru-RU" smtClean="0"/>
               <a:t>Второй уровень</a:t>
             </a:r>
+            <a:endParaRPr lang="ru-RU" smtClean="0"/>
           </a:p>
           <a:p>
             <a:pPr lvl="2"/>
@@ -1404,6 +1388,7 @@
               <a:rPr lang="ru-RU" smtClean="0"/>
               <a:t>Третий уровень</a:t>
             </a:r>
+            <a:endParaRPr lang="ru-RU" smtClean="0"/>
           </a:p>
           <a:p>
             <a:pPr lvl="3"/>
@@ -1411,6 +1396,7 @@
               <a:rPr lang="ru-RU" smtClean="0"/>
               <a:t>Четвертый уровень</a:t>
             </a:r>
+            <a:endParaRPr lang="ru-RU" smtClean="0"/>
           </a:p>
           <a:p>
             <a:pPr lvl="4"/>
@@ -1439,7 +1425,6 @@
           <a:p>
             <a:fld id="{DF2257C6-832E-49DE-8182-410557BD8A00}" type="datetimeFigureOut">
               <a:rPr lang="ru-RU" smtClean="0"/>
-              <a:t>02.03.2021</a:t>
             </a:fld>
             <a:endParaRPr lang="ru-RU"/>
           </a:p>
@@ -1481,18 +1466,12 @@
           <a:p>
             <a:fld id="{BB63D60C-1BCA-4094-90FF-822DD2833993}" type="slidenum">
               <a:rPr lang="ru-RU" smtClean="0"/>
-              <a:t>‹#›</a:t>
             </a:fld>
             <a:endParaRPr lang="ru-RU"/>
           </a:p>
         </p:txBody>
       </p:sp>
     </p:spTree>
-    <p:extLst>
-      <p:ext uri="{BB962C8B-B14F-4D97-AF65-F5344CB8AC3E}">
-        <p14:creationId xmlns:p14="http://schemas.microsoft.com/office/powerpoint/2010/main" val="3350534979"/>
-      </p:ext>
-    </p:extLst>
   </p:cSld>
   <p:clrMapOvr>
     <a:masterClrMapping/>
@@ -1611,6 +1590,7 @@
               <a:rPr lang="ru-RU" smtClean="0"/>
               <a:t>Образец текста</a:t>
             </a:r>
+            <a:endParaRPr lang="ru-RU" smtClean="0"/>
           </a:p>
         </p:txBody>
       </p:sp>
@@ -1667,6 +1647,7 @@
               <a:rPr lang="ru-RU" smtClean="0"/>
               <a:t>Образец текста</a:t>
             </a:r>
+            <a:endParaRPr lang="ru-RU" smtClean="0"/>
           </a:p>
           <a:p>
             <a:pPr lvl="1"/>
@@ -1674,6 +1655,7 @@
               <a:rPr lang="ru-RU" smtClean="0"/>
               <a:t>Второй уровень</a:t>
             </a:r>
+            <a:endParaRPr lang="ru-RU" smtClean="0"/>
           </a:p>
           <a:p>
             <a:pPr lvl="2"/>
@@ -1681,6 +1663,7 @@
               <a:rPr lang="ru-RU" smtClean="0"/>
               <a:t>Третий уровень</a:t>
             </a:r>
+            <a:endParaRPr lang="ru-RU" smtClean="0"/>
           </a:p>
           <a:p>
             <a:pPr lvl="3"/>
@@ -1688,6 +1671,7 @@
               <a:rPr lang="ru-RU" smtClean="0"/>
               <a:t>Четвертый уровень</a:t>
             </a:r>
+            <a:endParaRPr lang="ru-RU" smtClean="0"/>
           </a:p>
           <a:p>
             <a:pPr lvl="4"/>
@@ -1785,6 +1769,7 @@
               <a:rPr lang="ru-RU" smtClean="0"/>
               <a:t>Образец текста</a:t>
             </a:r>
+            <a:endParaRPr lang="ru-RU" smtClean="0"/>
           </a:p>
         </p:txBody>
       </p:sp>
@@ -1841,6 +1826,7 @@
               <a:rPr lang="ru-RU" smtClean="0"/>
               <a:t>Образец текста</a:t>
             </a:r>
+            <a:endParaRPr lang="ru-RU" smtClean="0"/>
           </a:p>
           <a:p>
             <a:pPr lvl="1"/>
@@ -1848,6 +1834,7 @@
               <a:rPr lang="ru-RU" smtClean="0"/>
               <a:t>Второй уровень</a:t>
             </a:r>
+            <a:endParaRPr lang="ru-RU" smtClean="0"/>
           </a:p>
           <a:p>
             <a:pPr lvl="2"/>
@@ -1855,6 +1842,7 @@
               <a:rPr lang="ru-RU" smtClean="0"/>
               <a:t>Третий уровень</a:t>
             </a:r>
+            <a:endParaRPr lang="ru-RU" smtClean="0"/>
           </a:p>
           <a:p>
             <a:pPr lvl="3"/>
@@ -1862,6 +1850,7 @@
               <a:rPr lang="ru-RU" smtClean="0"/>
               <a:t>Четвертый уровень</a:t>
             </a:r>
+            <a:endParaRPr lang="ru-RU" smtClean="0"/>
           </a:p>
           <a:p>
             <a:pPr lvl="4"/>
@@ -1890,7 +1879,6 @@
           <a:p>
             <a:fld id="{DF2257C6-832E-49DE-8182-410557BD8A00}" type="datetimeFigureOut">
               <a:rPr lang="ru-RU" smtClean="0"/>
-              <a:t>02.03.2021</a:t>
             </a:fld>
             <a:endParaRPr lang="ru-RU"/>
           </a:p>
@@ -1932,18 +1920,12 @@
           <a:p>
             <a:fld id="{BB63D60C-1BCA-4094-90FF-822DD2833993}" type="slidenum">
               <a:rPr lang="ru-RU" smtClean="0"/>
-              <a:t>‹#›</a:t>
             </a:fld>
             <a:endParaRPr lang="ru-RU"/>
           </a:p>
         </p:txBody>
       </p:sp>
     </p:spTree>
-    <p:extLst>
-      <p:ext uri="{BB962C8B-B14F-4D97-AF65-F5344CB8AC3E}">
-        <p14:creationId xmlns:p14="http://schemas.microsoft.com/office/powerpoint/2010/main" val="3311340965"/>
-      </p:ext>
-    </p:extLst>
   </p:cSld>
   <p:clrMapOvr>
     <a:masterClrMapping/>
@@ -2008,7 +1990,6 @@
           <a:p>
             <a:fld id="{DF2257C6-832E-49DE-8182-410557BD8A00}" type="datetimeFigureOut">
               <a:rPr lang="ru-RU" smtClean="0"/>
-              <a:t>02.03.2021</a:t>
             </a:fld>
             <a:endParaRPr lang="ru-RU"/>
           </a:p>
@@ -2050,18 +2031,12 @@
           <a:p>
             <a:fld id="{BB63D60C-1BCA-4094-90FF-822DD2833993}" type="slidenum">
               <a:rPr lang="ru-RU" smtClean="0"/>
-              <a:t>‹#›</a:t>
             </a:fld>
             <a:endParaRPr lang="ru-RU"/>
           </a:p>
         </p:txBody>
       </p:sp>
     </p:spTree>
-    <p:extLst>
-      <p:ext uri="{BB962C8B-B14F-4D97-AF65-F5344CB8AC3E}">
-        <p14:creationId xmlns:p14="http://schemas.microsoft.com/office/powerpoint/2010/main" val="1575700242"/>
-      </p:ext>
-    </p:extLst>
   </p:cSld>
   <p:clrMapOvr>
     <a:masterClrMapping/>
@@ -2103,7 +2078,6 @@
           <a:p>
             <a:fld id="{DF2257C6-832E-49DE-8182-410557BD8A00}" type="datetimeFigureOut">
               <a:rPr lang="ru-RU" smtClean="0"/>
-              <a:t>02.03.2021</a:t>
             </a:fld>
             <a:endParaRPr lang="ru-RU"/>
           </a:p>
@@ -2145,18 +2119,12 @@
           <a:p>
             <a:fld id="{BB63D60C-1BCA-4094-90FF-822DD2833993}" type="slidenum">
               <a:rPr lang="ru-RU" smtClean="0"/>
-              <a:t>‹#›</a:t>
             </a:fld>
             <a:endParaRPr lang="ru-RU"/>
           </a:p>
         </p:txBody>
       </p:sp>
     </p:spTree>
-    <p:extLst>
-      <p:ext uri="{BB962C8B-B14F-4D97-AF65-F5344CB8AC3E}">
-        <p14:creationId xmlns:p14="http://schemas.microsoft.com/office/powerpoint/2010/main" val="1643175337"/>
-      </p:ext>
-    </p:extLst>
   </p:cSld>
   <p:clrMapOvr>
     <a:masterClrMapping/>
@@ -2268,6 +2236,7 @@
               <a:rPr lang="ru-RU" smtClean="0"/>
               <a:t>Образец текста</a:t>
             </a:r>
+            <a:endParaRPr lang="ru-RU" smtClean="0"/>
           </a:p>
           <a:p>
             <a:pPr lvl="1"/>
@@ -2275,6 +2244,7 @@
               <a:rPr lang="ru-RU" smtClean="0"/>
               <a:t>Второй уровень</a:t>
             </a:r>
+            <a:endParaRPr lang="ru-RU" smtClean="0"/>
           </a:p>
           <a:p>
             <a:pPr lvl="2"/>
@@ -2282,6 +2252,7 @@
               <a:rPr lang="ru-RU" smtClean="0"/>
               <a:t>Третий уровень</a:t>
             </a:r>
+            <a:endParaRPr lang="ru-RU" smtClean="0"/>
           </a:p>
           <a:p>
             <a:pPr lvl="3"/>
@@ -2289,6 +2260,7 @@
               <a:rPr lang="ru-RU" smtClean="0"/>
               <a:t>Четвертый уровень</a:t>
             </a:r>
+            <a:endParaRPr lang="ru-RU" smtClean="0"/>
           </a:p>
           <a:p>
             <a:pPr lvl="4"/>
@@ -2370,6 +2342,7 @@
               <a:rPr lang="ru-RU" smtClean="0"/>
               <a:t>Образец текста</a:t>
             </a:r>
+            <a:endParaRPr lang="ru-RU" smtClean="0"/>
           </a:p>
         </p:txBody>
       </p:sp>
@@ -2390,7 +2363,6 @@
           <a:p>
             <a:fld id="{DF2257C6-832E-49DE-8182-410557BD8A00}" type="datetimeFigureOut">
               <a:rPr lang="ru-RU" smtClean="0"/>
-              <a:t>02.03.2021</a:t>
             </a:fld>
             <a:endParaRPr lang="ru-RU"/>
           </a:p>
@@ -2432,18 +2404,12 @@
           <a:p>
             <a:fld id="{BB63D60C-1BCA-4094-90FF-822DD2833993}" type="slidenum">
               <a:rPr lang="ru-RU" smtClean="0"/>
-              <a:t>‹#›</a:t>
             </a:fld>
             <a:endParaRPr lang="ru-RU"/>
           </a:p>
         </p:txBody>
       </p:sp>
     </p:spTree>
-    <p:extLst>
-      <p:ext uri="{BB962C8B-B14F-4D97-AF65-F5344CB8AC3E}">
-        <p14:creationId xmlns:p14="http://schemas.microsoft.com/office/powerpoint/2010/main" val="3662740109"/>
-      </p:ext>
-    </p:extLst>
   </p:cSld>
   <p:clrMapOvr>
     <a:masterClrMapping/>
@@ -2692,6 +2658,7 @@
               <a:rPr lang="ru-RU" smtClean="0"/>
               <a:t>Образец текста</a:t>
             </a:r>
+            <a:endParaRPr lang="ru-RU" smtClean="0"/>
           </a:p>
         </p:txBody>
       </p:sp>
@@ -2712,7 +2679,6 @@
           <a:p>
             <a:fld id="{DF2257C6-832E-49DE-8182-410557BD8A00}" type="datetimeFigureOut">
               <a:rPr lang="ru-RU" smtClean="0"/>
-              <a:t>02.03.2021</a:t>
             </a:fld>
             <a:endParaRPr lang="ru-RU"/>
           </a:p>
@@ -2754,18 +2720,12 @@
           <a:p>
             <a:fld id="{BB63D60C-1BCA-4094-90FF-822DD2833993}" type="slidenum">
               <a:rPr lang="ru-RU" smtClean="0"/>
-              <a:t>‹#›</a:t>
             </a:fld>
             <a:endParaRPr lang="ru-RU"/>
           </a:p>
         </p:txBody>
       </p:sp>
     </p:spTree>
-    <p:extLst>
-      <p:ext uri="{BB962C8B-B14F-4D97-AF65-F5344CB8AC3E}">
-        <p14:creationId xmlns:p14="http://schemas.microsoft.com/office/powerpoint/2010/main" val="3005911308"/>
-      </p:ext>
-    </p:extLst>
   </p:cSld>
   <p:clrMapOvr>
     <a:masterClrMapping/>
@@ -2898,6 +2858,7 @@
               <a:rPr lang="ru-RU" smtClean="0"/>
               <a:t>Образец текста</a:t>
             </a:r>
+            <a:endParaRPr lang="ru-RU" smtClean="0"/>
           </a:p>
           <a:p>
             <a:pPr lvl="1"/>
@@ -2905,6 +2866,7 @@
               <a:rPr lang="ru-RU" smtClean="0"/>
               <a:t>Второй уровень</a:t>
             </a:r>
+            <a:endParaRPr lang="ru-RU" smtClean="0"/>
           </a:p>
           <a:p>
             <a:pPr lvl="2"/>
@@ -2912,6 +2874,7 @@
               <a:rPr lang="ru-RU" smtClean="0"/>
               <a:t>Третий уровень</a:t>
             </a:r>
+            <a:endParaRPr lang="ru-RU" smtClean="0"/>
           </a:p>
           <a:p>
             <a:pPr lvl="3"/>
@@ -2919,6 +2882,7 @@
               <a:rPr lang="ru-RU" smtClean="0"/>
               <a:t>Четвертый уровень</a:t>
             </a:r>
+            <a:endParaRPr lang="ru-RU" smtClean="0"/>
           </a:p>
           <a:p>
             <a:pPr lvl="4"/>
@@ -2966,7 +2930,6 @@
           <a:p>
             <a:fld id="{DF2257C6-832E-49DE-8182-410557BD8A00}" type="datetimeFigureOut">
               <a:rPr lang="ru-RU" smtClean="0"/>
-              <a:t>02.03.2021</a:t>
             </a:fld>
             <a:endParaRPr lang="ru-RU"/>
           </a:p>
@@ -3048,32 +3011,26 @@
           <a:p>
             <a:fld id="{BB63D60C-1BCA-4094-90FF-822DD2833993}" type="slidenum">
               <a:rPr lang="ru-RU" smtClean="0"/>
-              <a:t>‹#›</a:t>
             </a:fld>
             <a:endParaRPr lang="ru-RU"/>
           </a:p>
         </p:txBody>
       </p:sp>
     </p:spTree>
-    <p:extLst>
-      <p:ext uri="{BB962C8B-B14F-4D97-AF65-F5344CB8AC3E}">
-        <p14:creationId xmlns:p14="http://schemas.microsoft.com/office/powerpoint/2010/main" val="2046452661"/>
-      </p:ext>
-    </p:extLst>
   </p:cSld>
   <p:clrMap bg1="lt1" tx1="dk1" bg2="lt2" tx2="dk2" accent1="accent1" accent2="accent2" accent3="accent3" accent4="accent4" accent5="accent5" accent6="accent6" hlink="hlink" folHlink="folHlink"/>
   <p:sldLayoutIdLst>
-    <p:sldLayoutId id="2147483871" r:id="rId1"/>
-    <p:sldLayoutId id="2147483872" r:id="rId2"/>
-    <p:sldLayoutId id="2147483873" r:id="rId3"/>
-    <p:sldLayoutId id="2147483874" r:id="rId4"/>
-    <p:sldLayoutId id="2147483875" r:id="rId5"/>
-    <p:sldLayoutId id="2147483876" r:id="rId6"/>
-    <p:sldLayoutId id="2147483877" r:id="rId7"/>
-    <p:sldLayoutId id="2147483878" r:id="rId8"/>
-    <p:sldLayoutId id="2147483879" r:id="rId9"/>
-    <p:sldLayoutId id="2147483880" r:id="rId10"/>
-    <p:sldLayoutId id="2147483881" r:id="rId11"/>
+    <p:sldLayoutId id="2147483649" r:id="rId1"/>
+    <p:sldLayoutId id="2147483650" r:id="rId2"/>
+    <p:sldLayoutId id="2147483651" r:id="rId3"/>
+    <p:sldLayoutId id="2147483652" r:id="rId4"/>
+    <p:sldLayoutId id="2147483653" r:id="rId5"/>
+    <p:sldLayoutId id="2147483654" r:id="rId6"/>
+    <p:sldLayoutId id="2147483655" r:id="rId7"/>
+    <p:sldLayoutId id="2147483656" r:id="rId8"/>
+    <p:sldLayoutId id="2147483657" r:id="rId9"/>
+    <p:sldLayoutId id="2147483658" r:id="rId10"/>
+    <p:sldLayoutId id="2147483659" r:id="rId11"/>
   </p:sldLayoutIdLst>
   <p:txStyles>
     <p:titleStyle>
@@ -3110,7 +3067,7 @@
           <a:schemeClr val="accent1"/>
         </a:buClr>
         <a:buSzPct val="80000"/>
-        <a:buFont typeface="Arial" pitchFamily="34" charset="0"/>
+        <a:buFont typeface="Arial" panose="020B0604020202020204" pitchFamily="34" charset="0"/>
         <a:buChar char="•"/>
         <a:defRPr sz="1800" kern="1200" spc="10" baseline="0">
           <a:solidFill>
@@ -3134,7 +3091,7 @@
         <a:buClr>
           <a:schemeClr val="accent1"/>
         </a:buClr>
-        <a:buFont typeface="Wingdings 2" pitchFamily="18" charset="2"/>
+        <a:buFont typeface="Wingdings 2" panose="05020102010507070707" pitchFamily="18" charset="2"/>
         <a:buChar char=""/>
         <a:defRPr sz="1600" kern="1200">
           <a:solidFill>
@@ -3161,7 +3118,7 @@
         <a:buClr>
           <a:schemeClr val="accent1"/>
         </a:buClr>
-        <a:buFont typeface="Wingdings 2" pitchFamily="18" charset="2"/>
+        <a:buFont typeface="Wingdings 2" panose="05020102010507070707" pitchFamily="18" charset="2"/>
         <a:buChar char=""/>
         <a:defRPr sz="1400" kern="1200">
           <a:solidFill>
@@ -3188,7 +3145,7 @@
         <a:buClr>
           <a:schemeClr val="accent1"/>
         </a:buClr>
-        <a:buFont typeface="Wingdings 2" pitchFamily="18" charset="2"/>
+        <a:buFont typeface="Wingdings 2" panose="05020102010507070707" pitchFamily="18" charset="2"/>
         <a:buChar char=""/>
         <a:defRPr sz="1400" kern="1200">
           <a:solidFill>
@@ -3215,7 +3172,7 @@
         <a:buClr>
           <a:schemeClr val="accent1"/>
         </a:buClr>
-        <a:buFont typeface="Wingdings 2" pitchFamily="18" charset="2"/>
+        <a:buFont typeface="Wingdings 2" panose="05020102010507070707" pitchFamily="18" charset="2"/>
         <a:buChar char=""/>
         <a:defRPr sz="1400" kern="1200">
           <a:solidFill>
@@ -3229,7 +3186,7 @@
           <a:cs typeface="+mn-cs"/>
         </a:defRPr>
       </a:lvl5pPr>
-      <a:lvl6pPr marL="1600000" indent="-228600" algn="l" defTabSz="914400" rtl="0" eaLnBrk="1" latinLnBrk="0" hangingPunct="1">
+      <a:lvl6pPr marL="1600200" indent="-228600" algn="l" defTabSz="914400" rtl="0" eaLnBrk="1" latinLnBrk="0" hangingPunct="1">
         <a:lnSpc>
           <a:spcPct val="90000"/>
         </a:lnSpc>
@@ -3242,7 +3199,7 @@
         <a:buClr>
           <a:schemeClr val="accent1"/>
         </a:buClr>
-        <a:buFont typeface="Wingdings 2" pitchFamily="18" charset="2"/>
+        <a:buFont typeface="Wingdings 2" panose="05020102010507070707" pitchFamily="18" charset="2"/>
         <a:buChar char=""/>
         <a:defRPr sz="1400" kern="1200">
           <a:solidFill>
@@ -3256,7 +3213,7 @@
           <a:cs typeface="+mn-cs"/>
         </a:defRPr>
       </a:lvl6pPr>
-      <a:lvl7pPr marL="1900000" indent="-228600" algn="l" defTabSz="914400" rtl="0" eaLnBrk="1" latinLnBrk="0" hangingPunct="1">
+      <a:lvl7pPr marL="1899920" indent="-228600" algn="l" defTabSz="914400" rtl="0" eaLnBrk="1" latinLnBrk="0" hangingPunct="1">
         <a:lnSpc>
           <a:spcPct val="90000"/>
         </a:lnSpc>
@@ -3269,7 +3226,7 @@
         <a:buClr>
           <a:schemeClr val="accent1"/>
         </a:buClr>
-        <a:buFont typeface="Wingdings 2" pitchFamily="18" charset="2"/>
+        <a:buFont typeface="Wingdings 2" panose="05020102010507070707" pitchFamily="18" charset="2"/>
         <a:buChar char=""/>
         <a:defRPr sz="1400" kern="1200">
           <a:solidFill>
@@ -3283,7 +3240,7 @@
           <a:cs typeface="+mn-cs"/>
         </a:defRPr>
       </a:lvl7pPr>
-      <a:lvl8pPr marL="2200000" indent="-228600" algn="l" defTabSz="914400" rtl="0" eaLnBrk="1" latinLnBrk="0" hangingPunct="1">
+      <a:lvl8pPr marL="2200275" indent="-228600" algn="l" defTabSz="914400" rtl="0" eaLnBrk="1" latinLnBrk="0" hangingPunct="1">
         <a:lnSpc>
           <a:spcPct val="90000"/>
         </a:lnSpc>
@@ -3296,7 +3253,7 @@
         <a:buClr>
           <a:schemeClr val="accent1"/>
         </a:buClr>
-        <a:buFont typeface="Wingdings 2" pitchFamily="18" charset="2"/>
+        <a:buFont typeface="Wingdings 2" panose="05020102010507070707" pitchFamily="18" charset="2"/>
         <a:buChar char=""/>
         <a:defRPr sz="1400" kern="1200">
           <a:solidFill>
@@ -3310,7 +3267,7 @@
           <a:cs typeface="+mn-cs"/>
         </a:defRPr>
       </a:lvl8pPr>
-      <a:lvl9pPr marL="2500000" indent="-228600" algn="l" defTabSz="914400" rtl="0" eaLnBrk="1" latinLnBrk="0" hangingPunct="1">
+      <a:lvl9pPr marL="2499995" indent="-228600" algn="l" defTabSz="914400" rtl="0" eaLnBrk="1" latinLnBrk="0" hangingPunct="1">
         <a:lnSpc>
           <a:spcPct val="90000"/>
         </a:lnSpc>
@@ -3323,7 +3280,7 @@
         <a:buClr>
           <a:schemeClr val="accent1"/>
         </a:buClr>
-        <a:buFont typeface="Wingdings 2" pitchFamily="18" charset="2"/>
+        <a:buFont typeface="Wingdings 2" panose="05020102010507070707" pitchFamily="18" charset="2"/>
         <a:buChar char=""/>
         <a:defRPr sz="1400" kern="1200">
           <a:solidFill>
@@ -3480,6 +3437,7 @@
               <a:rPr lang="ru-RU" dirty="0"/>
               <a:t>Паскаля</a:t>
             </a:r>
+            <a:endParaRPr lang="ru-RU" dirty="0"/>
           </a:p>
         </p:txBody>
       </p:sp>
@@ -3515,11 +3473,6 @@
         </p:txBody>
       </p:sp>
     </p:spTree>
-    <p:extLst>
-      <p:ext uri="{BB962C8B-B14F-4D97-AF65-F5344CB8AC3E}">
-        <p14:creationId xmlns:p14="http://schemas.microsoft.com/office/powerpoint/2010/main" val="1697346840"/>
-      </p:ext>
-    </p:extLst>
   </p:cSld>
   <p:clrMapOvr>
     <a:masterClrMapping/>
@@ -3689,6 +3642,7 @@
               <a:rPr lang="ru-RU" dirty="0" smtClean="0"/>
               <a:t> борги.</a:t>
             </a:r>
+            <a:endParaRPr lang="ru-RU" dirty="0" smtClean="0"/>
           </a:p>
           <a:p>
             <a:r>
@@ -3835,6 +3789,7 @@
               <a:rPr lang="ru-RU" dirty="0" smtClean="0"/>
               <a:t>.</a:t>
             </a:r>
+            <a:endParaRPr lang="ru-RU" dirty="0" smtClean="0"/>
           </a:p>
           <a:p>
             <a:r>
@@ -4105,15 +4060,11 @@
               <a:rPr lang="ru-RU" dirty="0"/>
               <a:t> силу.</a:t>
             </a:r>
+            <a:endParaRPr lang="ru-RU" dirty="0"/>
           </a:p>
         </p:txBody>
       </p:sp>
     </p:spTree>
-    <p:extLst>
-      <p:ext uri="{BB962C8B-B14F-4D97-AF65-F5344CB8AC3E}">
-        <p14:creationId xmlns:p14="http://schemas.microsoft.com/office/powerpoint/2010/main" val="500579777"/>
-      </p:ext>
-    </p:extLst>
   </p:cSld>
   <p:clrMapOvr>
     <a:masterClrMapping/>
@@ -4169,6 +4120,7 @@
               <a:rPr lang="ru-RU" dirty="0"/>
               <a:t> калькулятора Паскаля</a:t>
             </a:r>
+            <a:endParaRPr lang="ru-RU" dirty="0"/>
           </a:p>
         </p:txBody>
       </p:sp>
@@ -4576,6 +4528,7 @@
               <a:rPr lang="ru-RU" dirty="0"/>
               <a:t>.</a:t>
             </a:r>
+            <a:endParaRPr lang="ru-RU" dirty="0"/>
           </a:p>
         </p:txBody>
       </p:sp>
@@ -4588,7 +4541,7 @@
           <p:nvPr/>
         </p:nvPicPr>
         <p:blipFill>
-          <a:blip r:embed="rId2"/>
+          <a:blip r:embed="rId1"/>
           <a:stretch>
             <a:fillRect/>
           </a:stretch>
@@ -4612,9 +4565,11 @@
           <p:nvPr/>
         </p:nvPicPr>
         <p:blipFill rotWithShape="1">
-          <a:blip r:embed="rId3"/>
+          <a:blip r:embed="rId2"/>
           <a:srcRect t="7700"/>
-          <a:stretch/>
+          <a:stretch>
+            <a:fillRect/>
+          </a:stretch>
         </p:blipFill>
         <p:spPr>
           <a:xfrm>
@@ -4627,11 +4582,6 @@
         </p:spPr>
       </p:pic>
     </p:spTree>
-    <p:extLst>
-      <p:ext uri="{BB962C8B-B14F-4D97-AF65-F5344CB8AC3E}">
-        <p14:creationId xmlns:p14="http://schemas.microsoft.com/office/powerpoint/2010/main" val="1014305620"/>
-      </p:ext>
-    </p:extLst>
   </p:cSld>
   <p:clrMapOvr>
     <a:masterClrMapping/>
@@ -4905,6 +4855,7 @@
               <a:rPr lang="ru-RU" sz="2000" dirty="0"/>
               <a:t>.</a:t>
             </a:r>
+            <a:endParaRPr lang="ru-RU" sz="2000" dirty="0"/>
           </a:p>
         </p:txBody>
       </p:sp>
@@ -4917,7 +4868,7 @@
           <p:nvPr/>
         </p:nvPicPr>
         <p:blipFill>
-          <a:blip r:embed="rId2"/>
+          <a:blip r:embed="rId1"/>
           <a:stretch>
             <a:fillRect/>
           </a:stretch>
@@ -4933,11 +4884,6 @@
         </p:spPr>
       </p:pic>
     </p:spTree>
-    <p:extLst>
-      <p:ext uri="{BB962C8B-B14F-4D97-AF65-F5344CB8AC3E}">
-        <p14:creationId xmlns:p14="http://schemas.microsoft.com/office/powerpoint/2010/main" val="2603262925"/>
-      </p:ext>
-    </p:extLst>
   </p:cSld>
   <p:clrMapOvr>
     <a:masterClrMapping/>
@@ -4971,7 +4917,7 @@
           <p:nvPr/>
         </p:nvPicPr>
         <p:blipFill>
-          <a:blip r:embed="rId2"/>
+          <a:blip r:embed="rId1"/>
           <a:stretch>
             <a:fillRect/>
           </a:stretch>
@@ -4995,7 +4941,7 @@
           <p:nvPr/>
         </p:nvPicPr>
         <p:blipFill>
-          <a:blip r:embed="rId3"/>
+          <a:blip r:embed="rId2"/>
           <a:stretch>
             <a:fillRect/>
           </a:stretch>
@@ -5033,207 +4979,139 @@
           <a:p>
             <a:pPr algn="ctr"/>
             <a:r>
-              <a:rPr lang="ru-RU" altLang="en-US" sz="2000" dirty="0">
-                <a:ln/>
-              </a:rPr>
+              <a:rPr lang="ru-RU" altLang="en-US" sz="2000" dirty="0"/>
               <a:t>При </a:t>
             </a:r>
             <a:r>
-              <a:rPr lang="ru-RU" altLang="en-US" sz="2000" dirty="0" err="1">
-                <a:ln/>
-              </a:rPr>
+              <a:rPr lang="ru-RU" altLang="en-US" sz="2000" dirty="0" err="1"/>
               <a:t>повному</a:t>
             </a:r>
             <a:r>
-              <a:rPr lang="ru-RU" altLang="en-US" sz="2000" dirty="0">
-                <a:ln/>
-              </a:rPr>
-              <a:t> </a:t>
-            </a:r>
-            <a:r>
-              <a:rPr lang="ru-RU" altLang="en-US" sz="2000" dirty="0" err="1">
-                <a:ln/>
-              </a:rPr>
+              <a:rPr lang="ru-RU" altLang="en-US" sz="2000" dirty="0"/>
+              <a:t> </a:t>
+            </a:r>
+            <a:r>
+              <a:rPr lang="ru-RU" altLang="en-US" sz="2000" dirty="0" err="1"/>
               <a:t>повороті</a:t>
             </a:r>
             <a:r>
-              <a:rPr lang="ru-RU" altLang="en-US" sz="2000" dirty="0">
-                <a:ln/>
-              </a:rPr>
-              <a:t> </a:t>
-            </a:r>
-            <a:r>
-              <a:rPr lang="ru-RU" altLang="en-US" sz="2000" dirty="0" err="1">
-                <a:ln/>
-              </a:rPr>
+              <a:rPr lang="ru-RU" altLang="en-US" sz="2000" dirty="0"/>
+              <a:t> </a:t>
+            </a:r>
+            <a:r>
+              <a:rPr lang="ru-RU" altLang="en-US" sz="2000" dirty="0" err="1"/>
               <a:t>набірного</a:t>
             </a:r>
             <a:r>
-              <a:rPr lang="ru-RU" altLang="en-US" sz="2000" dirty="0">
-                <a:ln/>
-              </a:rPr>
-              <a:t> </a:t>
-            </a:r>
-            <a:r>
-              <a:rPr lang="ru-RU" altLang="en-US" sz="2000" dirty="0" err="1">
-                <a:ln/>
-              </a:rPr>
+              <a:rPr lang="ru-RU" altLang="en-US" sz="2000" dirty="0"/>
+              <a:t> </a:t>
+            </a:r>
+            <a:r>
+              <a:rPr lang="ru-RU" altLang="en-US" sz="2000" dirty="0" err="1"/>
               <a:t>коліщатка</a:t>
             </a:r>
             <a:r>
-              <a:rPr lang="ru-RU" altLang="en-US" sz="2000" dirty="0">
-                <a:ln/>
-              </a:rPr>
+              <a:rPr lang="ru-RU" altLang="en-US" sz="2000" dirty="0"/>
               <a:t> в старший </a:t>
             </a:r>
             <a:r>
-              <a:rPr lang="ru-RU" altLang="en-US" sz="2000" dirty="0" err="1">
-                <a:ln/>
-              </a:rPr>
+              <a:rPr lang="ru-RU" altLang="en-US" sz="2000" dirty="0" err="1"/>
               <a:t>розряд</a:t>
             </a:r>
             <a:r>
-              <a:rPr lang="ru-RU" altLang="en-US" sz="2000" dirty="0">
-                <a:ln/>
-              </a:rPr>
+              <a:rPr lang="ru-RU" altLang="en-US" sz="2000" dirty="0"/>
               <a:t> «</a:t>
             </a:r>
             <a:r>
-              <a:rPr lang="ru-RU" altLang="en-US" sz="2000" dirty="0" err="1">
-                <a:ln/>
-              </a:rPr>
+              <a:rPr lang="ru-RU" altLang="en-US" sz="2000" dirty="0" err="1"/>
               <a:t>Паскаліни</a:t>
             </a:r>
             <a:r>
-              <a:rPr lang="ru-RU" altLang="en-US" sz="2000" dirty="0">
-                <a:ln/>
-              </a:rPr>
+              <a:rPr lang="ru-RU" altLang="en-US" sz="2000" dirty="0"/>
               <a:t>» </a:t>
             </a:r>
             <a:r>
-              <a:rPr lang="ru-RU" altLang="en-US" sz="2000" dirty="0" err="1">
-                <a:ln/>
-              </a:rPr>
+              <a:rPr lang="ru-RU" altLang="en-US" sz="2000" dirty="0" err="1"/>
               <a:t>передавався</a:t>
             </a:r>
             <a:r>
-              <a:rPr lang="ru-RU" altLang="en-US" sz="2000" dirty="0">
-                <a:ln/>
-              </a:rPr>
+              <a:rPr lang="ru-RU" altLang="en-US" sz="2000" dirty="0"/>
               <a:t> результат </a:t>
             </a:r>
             <a:r>
-              <a:rPr lang="ru-RU" altLang="en-US" sz="2000" dirty="0" err="1">
-                <a:ln/>
-              </a:rPr>
+              <a:rPr lang="ru-RU" altLang="en-US" sz="2000" dirty="0" err="1"/>
               <a:t>переповнення</a:t>
             </a:r>
             <a:r>
-              <a:rPr lang="ru-RU" altLang="en-US" sz="2000" dirty="0">
-                <a:ln/>
-              </a:rPr>
+              <a:rPr lang="ru-RU" altLang="en-US" sz="2000" dirty="0"/>
               <a:t> за </a:t>
             </a:r>
             <a:r>
-              <a:rPr lang="ru-RU" altLang="en-US" sz="2000" dirty="0" err="1">
-                <a:ln/>
-              </a:rPr>
+              <a:rPr lang="ru-RU" altLang="en-US" sz="2000" dirty="0" err="1"/>
               <a:t>допомогою</a:t>
             </a:r>
             <a:r>
-              <a:rPr lang="ru-RU" altLang="en-US" sz="2000" dirty="0">
-                <a:ln/>
-              </a:rPr>
-              <a:t> </a:t>
-            </a:r>
-            <a:r>
-              <a:rPr lang="ru-RU" altLang="en-US" sz="2000" dirty="0" err="1">
-                <a:ln/>
-              </a:rPr>
+              <a:rPr lang="ru-RU" altLang="en-US" sz="2000" dirty="0"/>
+              <a:t> </a:t>
+            </a:r>
+            <a:r>
+              <a:rPr lang="ru-RU" altLang="en-US" sz="2000" dirty="0" err="1"/>
               <a:t>механізму</a:t>
             </a:r>
             <a:r>
-              <a:rPr lang="ru-RU" altLang="en-US" sz="2000" dirty="0">
-                <a:ln/>
-              </a:rPr>
+              <a:rPr lang="ru-RU" altLang="en-US" sz="2000" dirty="0"/>
               <a:t>, </a:t>
             </a:r>
             <a:r>
-              <a:rPr lang="ru-RU" altLang="en-US" sz="2000" dirty="0" err="1">
-                <a:ln/>
-              </a:rPr>
+              <a:rPr lang="ru-RU" altLang="en-US" sz="2000" dirty="0" err="1"/>
               <a:t>зображеного</a:t>
             </a:r>
             <a:r>
-              <a:rPr lang="ru-RU" altLang="en-US" sz="2000" dirty="0">
-                <a:ln/>
-              </a:rPr>
+              <a:rPr lang="ru-RU" altLang="en-US" sz="2000" dirty="0"/>
               <a:t> на </a:t>
             </a:r>
             <a:r>
-              <a:rPr lang="ru-RU" altLang="en-US" sz="2000" dirty="0" err="1">
-                <a:ln/>
-              </a:rPr>
+              <a:rPr lang="ru-RU" altLang="en-US" sz="2000" dirty="0" err="1"/>
               <a:t>малюнках</a:t>
             </a:r>
             <a:r>
-              <a:rPr lang="ru-RU" altLang="en-US" sz="2000" dirty="0">
-                <a:ln/>
-              </a:rPr>
+              <a:rPr lang="ru-RU" altLang="en-US" sz="2000" dirty="0"/>
               <a:t> «</a:t>
             </a:r>
             <a:r>
-              <a:rPr lang="ru-RU" altLang="en-US" sz="2000" dirty="0" err="1">
-                <a:ln/>
-              </a:rPr>
+              <a:rPr lang="ru-RU" altLang="en-US" sz="2000" dirty="0" err="1"/>
               <a:t>Механізм</a:t>
             </a:r>
             <a:r>
-              <a:rPr lang="ru-RU" altLang="en-US" sz="2000" dirty="0">
-                <a:ln/>
-              </a:rPr>
-              <a:t> </a:t>
-            </a:r>
-            <a:r>
-              <a:rPr lang="ru-RU" altLang="en-US" sz="2000" dirty="0" err="1">
-                <a:ln/>
-              </a:rPr>
+              <a:rPr lang="ru-RU" altLang="en-US" sz="2000" dirty="0"/>
+              <a:t> </a:t>
+            </a:r>
+            <a:r>
+              <a:rPr lang="ru-RU" altLang="en-US" sz="2000" dirty="0" err="1"/>
               <a:t>перенесення</a:t>
             </a:r>
             <a:r>
-              <a:rPr lang="ru-RU" altLang="en-US" sz="2000" dirty="0">
-                <a:ln/>
-              </a:rPr>
-              <a:t> </a:t>
-            </a:r>
-            <a:r>
-              <a:rPr lang="ru-RU" altLang="en-US" sz="2000" dirty="0" err="1">
-                <a:ln/>
-              </a:rPr>
+              <a:rPr lang="ru-RU" altLang="en-US" sz="2000" dirty="0"/>
+              <a:t> </a:t>
+            </a:r>
+            <a:r>
+              <a:rPr lang="ru-RU" altLang="en-US" sz="2000" dirty="0" err="1"/>
               <a:t>переповнення</a:t>
             </a:r>
             <a:r>
-              <a:rPr lang="ru-RU" altLang="en-US" sz="2000" dirty="0">
-                <a:ln/>
-              </a:rPr>
-              <a:t> </a:t>
-            </a:r>
-            <a:r>
-              <a:rPr lang="ru-RU" altLang="en-US" sz="2000" dirty="0" smtClean="0">
-                <a:ln/>
-              </a:rPr>
+              <a:rPr lang="ru-RU" altLang="en-US" sz="2000" dirty="0"/>
+              <a:t> </a:t>
+            </a:r>
+            <a:r>
+              <a:rPr lang="ru-RU" altLang="en-US" sz="2000" dirty="0" smtClean="0"/>
               <a:t>в </a:t>
             </a:r>
             <a:r>
-              <a:rPr lang="ru-RU" altLang="en-US" sz="2000" dirty="0" err="1" smtClean="0">
-                <a:ln/>
-              </a:rPr>
+              <a:rPr lang="ru-RU" altLang="en-US" sz="2000" dirty="0" err="1" smtClean="0"/>
               <a:t>паскалина</a:t>
             </a:r>
             <a:r>
-              <a:rPr lang="ru-RU" altLang="en-US" sz="2000" dirty="0" smtClean="0">
-                <a:ln/>
-              </a:rPr>
+              <a:rPr lang="ru-RU" altLang="en-US" sz="2000" dirty="0" smtClean="0"/>
               <a:t>».</a:t>
             </a:r>
             <a:endParaRPr lang="ru-RU" sz="2000" dirty="0"/>
@@ -5241,11 +5119,6 @@
         </p:txBody>
       </p:sp>
     </p:spTree>
-    <p:extLst>
-      <p:ext uri="{BB962C8B-B14F-4D97-AF65-F5344CB8AC3E}">
-        <p14:creationId xmlns:p14="http://schemas.microsoft.com/office/powerpoint/2010/main" val="4249235878"/>
-      </p:ext>
-    </p:extLst>
   </p:cSld>
   <p:clrMapOvr>
     <a:masterClrMapping/>
@@ -5344,6 +5217,7 @@
               <a:rPr lang="uk-UA" sz="2200" dirty="0" smtClean="0"/>
               <a:t> інформаційних систем: </a:t>
             </a:r>
+            <a:endParaRPr lang="uk-UA" sz="2200" dirty="0" smtClean="0"/>
           </a:p>
           <a:p>
             <a:pPr>
@@ -5843,15 +5717,11 @@
               <a:rPr lang="ru-RU" sz="2100" dirty="0"/>
               <a:t>.</a:t>
             </a:r>
+            <a:endParaRPr lang="ru-RU" sz="2100" dirty="0"/>
           </a:p>
         </p:txBody>
       </p:sp>
     </p:spTree>
-    <p:extLst>
-      <p:ext uri="{BB962C8B-B14F-4D97-AF65-F5344CB8AC3E}">
-        <p14:creationId xmlns:p14="http://schemas.microsoft.com/office/powerpoint/2010/main" val="2807049537"/>
-      </p:ext>
-    </p:extLst>
   </p:cSld>
   <p:clrMapOvr>
     <a:masterClrMapping/>
@@ -6261,6 +6131,7 @@
               <a:rPr lang="ru-RU" sz="1900" dirty="0"/>
               <a:t>.</a:t>
             </a:r>
+            <a:endParaRPr lang="ru-RU" sz="1900" dirty="0"/>
           </a:p>
         </p:txBody>
       </p:sp>
@@ -6273,9 +6144,11 @@
           <p:nvPr/>
         </p:nvPicPr>
         <p:blipFill rotWithShape="1">
-          <a:blip r:embed="rId2"/>
+          <a:blip r:embed="rId1"/>
           <a:srcRect t="15280"/>
-          <a:stretch/>
+          <a:stretch>
+            <a:fillRect/>
+          </a:stretch>
         </p:blipFill>
         <p:spPr>
           <a:xfrm>
@@ -6288,11 +6161,6 @@
         </p:spPr>
       </p:pic>
     </p:spTree>
-    <p:extLst>
-      <p:ext uri="{BB962C8B-B14F-4D97-AF65-F5344CB8AC3E}">
-        <p14:creationId xmlns:p14="http://schemas.microsoft.com/office/powerpoint/2010/main" val="2696442925"/>
-      </p:ext>
-    </p:extLst>
   </p:cSld>
   <p:clrMapOvr>
     <a:masterClrMapping/>
@@ -6343,7 +6211,7 @@
     </a:clrScheme>
     <a:fontScheme name="View">
       <a:majorFont>
-        <a:latin typeface="Century Schoolbook" panose="02040604050505020304"/>
+        <a:latin typeface="Century Schoolbook"/>
         <a:ea typeface=""/>
         <a:cs typeface=""/>
         <a:font script="Jpan" typeface="ＭＳ ゴシック"/>
@@ -6378,7 +6246,7 @@
         <a:font script="Geor" typeface="Sylfaen"/>
       </a:majorFont>
       <a:minorFont>
-        <a:latin typeface="Century Schoolbook" panose="02040604050505020304"/>
+        <a:latin typeface="Century Schoolbook"/>
         <a:ea typeface=""/>
         <a:cs typeface=""/>
         <a:font script="Jpan" typeface="ＭＳ ゴシック"/>
@@ -6543,11 +6411,9 @@
       </a:bgFillStyleLst>
     </a:fmtScheme>
   </a:themeElements>
-  <a:objectDefaults/>
-  <a:extraClrSchemeLst/>
   <a:extLst>
     <a:ext uri="{05A4C25C-085E-4340-85A3-A5531E510DB2}">
-      <thm15:themeFamily xmlns:thm15="http://schemas.microsoft.com/office/thememl/2012/main" name="View" id="{BA0EB5A6-F2D4-4F82-977B-64ADEE4A2A69}" vid="{3969A8A2-35DB-4E3B-8885-16FD20568674}"/>
+      <thm15:themeFamily xmlns:thm15="http://schemas.microsoft.com/office/thememl/2012/main" name="Office Theme" id="{62F939B6-93AF-4DB8-9C6B-D6C7DFDC589F}" vid="{4A3C46E8-61CC-4603-A589-7422A47A8E4A}"/>
     </a:ext>
   </a:extLst>
 </a:theme>
